--- a/OpenLog_microbit.pptx
+++ b/OpenLog_microbit.pptx
@@ -105,6 +105,11 @@
       </a:defRPr>
     </a:lvl9pPr>
   </p:defaultTextStyle>
+  <p:extLst>
+    <p:ext uri="{EFAFB233-063F-42B5-8137-9DF3F51BA10A}">
+      <p15:sldGuideLst xmlns:p15="http://schemas.microsoft.com/office/powerpoint/2012/main"/>
+    </p:ext>
+  </p:extLst>
 </p:presentation>
 </file>
 
@@ -3020,11 +3025,7 @@
             </a:r>
             <a:r>
               <a:rPr lang="fr-FR" sz="1800" dirty="0" smtClean="0"/>
-              <a:t>9600</a:t>
-            </a:r>
-            <a:r>
-              <a:rPr lang="fr-FR" sz="1800" dirty="0" smtClean="0"/>
-              <a:t>,26,3,0,1,1,0</a:t>
+              <a:t>9600,26,3,0,1,1,0</a:t>
             </a:r>
             <a:br>
               <a:rPr lang="fr-FR" sz="1800" dirty="0" smtClean="0"/>
@@ -3596,7 +3597,7 @@
           <a:graphicData uri="http://schemas.openxmlformats.org/presentationml/2006/ole">
             <mc:AlternateContent xmlns:mc="http://schemas.openxmlformats.org/markup-compatibility/2006">
               <mc:Choice xmlns:v="urn:schemas-microsoft-com:vml" Requires="v">
-                <p:oleObj spid="_x0000_s1028" name="Objet d’environnement du Gestionnaire de liaisons" showAsIcon="1" r:id="rId5" imgW="1554480" imgH="437400" progId="Package">
+                <p:oleObj spid="_x0000_s1036" name="Objet d’environnement du Gestionnaire de liaisons" showAsIcon="1" r:id="rId5" imgW="1554480" imgH="437400" progId="Package">
                   <p:embed/>
                 </p:oleObj>
               </mc:Choice>
@@ -3673,13 +3674,13 @@
         </p:nvSpPr>
         <p:spPr>
           <a:xfrm>
-            <a:off x="838200" y="365125"/>
-            <a:ext cx="10515600" cy="2826649"/>
+            <a:off x="838200" y="356499"/>
+            <a:ext cx="10515600" cy="5121275"/>
           </a:xfrm>
         </p:spPr>
         <p:txBody>
           <a:bodyPr>
-            <a:normAutofit/>
+            <a:normAutofit fontScale="90000"/>
           </a:bodyPr>
           <a:lstStyle/>
           <a:p>
@@ -3724,14 +3725,38 @@
               <a:rPr lang="fr-FR" sz="2800" dirty="0" smtClean="0"/>
             </a:br>
             <a:r>
-              <a:rPr lang="fr-FR" sz="2000" b="1" dirty="0" smtClean="0"/>
-              <a:t>Lien du programme: </a:t>
+              <a:rPr lang="fr-FR" sz="1600" b="1" dirty="0" smtClean="0"/>
+              <a:t>Lien </a:t>
+            </a:r>
+            <a:r>
+              <a:rPr lang="fr-FR" sz="1600" b="1" dirty="0" smtClean="0"/>
+              <a:t>des programmes:  </a:t>
+            </a:r>
+            <a:br>
+              <a:rPr lang="fr-FR" sz="1600" b="1" dirty="0" smtClean="0"/>
+            </a:br>
+            <a:r>
+              <a:rPr lang="fr-FR" sz="1600" b="1" dirty="0" smtClean="0"/>
+              <a:t/>
+            </a:r>
+            <a:br>
+              <a:rPr lang="fr-FR" sz="1600" b="1" dirty="0" smtClean="0"/>
+            </a:br>
+            <a:r>
+              <a:rPr lang="fr-FR" sz="1600" b="1" dirty="0" smtClean="0"/>
+              <a:t>1. </a:t>
             </a:r>
             <a:r>
               <a:rPr lang="fr-FR" sz="1600" dirty="0" smtClean="0">
                 <a:hlinkClick r:id="rId2"/>
               </a:rPr>
-              <a:t>https://vbeta.vittascience.com/microbit/?link=62a06785558fb&amp;mode=mixed&amp;console=bottom&amp;toolbox=vittascience</a:t>
+              <a:t>https</a:t>
+            </a:r>
+            <a:r>
+              <a:rPr lang="fr-FR" sz="1600" dirty="0" smtClean="0">
+                <a:hlinkClick r:id="rId2"/>
+              </a:rPr>
+              <a:t>://vbeta.vittascience.com/microbit/?link=62a06785558fb&amp;mode=mixed&amp;console=bottom&amp;toolbox=vittascience</a:t>
             </a:r>
             <a:r>
               <a:rPr lang="fr-FR" sz="1600" dirty="0" smtClean="0"/>
@@ -3745,6 +3770,33 @@
               <a:rPr lang="fr-FR" sz="1600" dirty="0"/>
             </a:br>
             <a:r>
+              <a:rPr lang="fr-FR" sz="1600" dirty="0"/>
+              <a:t>2. </a:t>
+            </a:r>
+            <a:r>
+              <a:rPr lang="fr-FR" sz="1600" dirty="0">
+                <a:hlinkClick r:id="rId3"/>
+              </a:rPr>
+              <a:t>https://vbeta.vittascience.com/microbit/?</a:t>
+            </a:r>
+            <a:r>
+              <a:rPr lang="fr-FR" sz="1600" dirty="0" smtClean="0">
+                <a:hlinkClick r:id="rId3"/>
+              </a:rPr>
+              <a:t>link=62a0974727ceb&amp;mode=mixed&amp;console=bottom&amp;toolbox=vittascience</a:t>
+            </a:r>
+            <a:r>
+              <a:rPr lang="fr-FR" sz="1600" dirty="0" smtClean="0"/>
+              <a:t>  </a:t>
+            </a:r>
+            <a:r>
+              <a:rPr lang="fr-FR" sz="1600" dirty="0"/>
+              <a:t/>
+            </a:r>
+            <a:br>
+              <a:rPr lang="fr-FR" sz="1600" dirty="0"/>
+            </a:br>
+            <a:r>
               <a:rPr lang="fr-FR" sz="1600" dirty="0" smtClean="0"/>
               <a:t/>
             </a:r>
@@ -3752,6 +3804,33 @@
               <a:rPr lang="fr-FR" sz="1600" dirty="0" smtClean="0"/>
             </a:br>
             <a:r>
+              <a:rPr lang="fr-FR" sz="1600" b="1" dirty="0" smtClean="0"/>
+              <a:t>Lien </a:t>
+            </a:r>
+            <a:r>
+              <a:rPr lang="fr-FR" sz="1600" b="1" dirty="0"/>
+              <a:t>du projet: </a:t>
+            </a:r>
+            <a:r>
+              <a:rPr lang="fr-FR" sz="1600" dirty="0">
+                <a:hlinkClick r:id="rId4"/>
+              </a:rPr>
+              <a:t>https://</a:t>
+            </a:r>
+            <a:r>
+              <a:rPr lang="fr-FR" sz="1600" dirty="0" smtClean="0">
+                <a:hlinkClick r:id="rId4"/>
+              </a:rPr>
+              <a:t>github.com/leomlr/CapAuNord</a:t>
+            </a:r>
+            <a:r>
+              <a:rPr lang="fr-FR" sz="1600" dirty="0" smtClean="0"/>
+              <a:t> </a:t>
+            </a:r>
+            <a:br>
+              <a:rPr lang="fr-FR" sz="1600" dirty="0" smtClean="0"/>
+            </a:br>
+            <a:r>
               <a:rPr lang="fr-FR" sz="1600" dirty="0"/>
               <a:t/>
             </a:r>
@@ -3759,19 +3838,50 @@
               <a:rPr lang="fr-FR" sz="1600" dirty="0"/>
             </a:br>
             <a:r>
+              <a:rPr lang="fr-FR" sz="1600" b="1" dirty="0"/>
+              <a:t>Lien Discord: </a:t>
+            </a:r>
+            <a:r>
+              <a:rPr lang="fr-FR" sz="1600" dirty="0">
+                <a:hlinkClick r:id="rId5"/>
+              </a:rPr>
+              <a:t>https://</a:t>
+            </a:r>
+            <a:r>
+              <a:rPr lang="fr-FR" sz="1600" dirty="0" smtClean="0">
+                <a:hlinkClick r:id="rId5"/>
+              </a:rPr>
+              <a:t>discord.com/channels/771326975125749770/771328527668346900</a:t>
+            </a:r>
+            <a:r>
               <a:rPr lang="fr-FR" sz="1600" dirty="0" smtClean="0"/>
-              <a:t/>
+              <a:t> </a:t>
             </a:r>
             <a:br>
               <a:rPr lang="fr-FR" sz="1600" dirty="0" smtClean="0"/>
             </a:br>
             <a:r>
+              <a:rPr lang="fr-FR" sz="1600" dirty="0" smtClean="0"/>
+              <a:t/>
+            </a:r>
+            <a:br>
+              <a:rPr lang="fr-FR" sz="1600" dirty="0" smtClean="0"/>
+            </a:br>
+            <a:r>
+              <a:rPr lang="fr-FR" sz="1600" b="1" dirty="0" smtClean="0"/>
+              <a:t>Matériel: </a:t>
+            </a:r>
+            <a:r>
               <a:rPr lang="fr-FR" sz="1600" dirty="0" err="1" smtClean="0"/>
               <a:t>micro:bit</a:t>
             </a:r>
             <a:r>
               <a:rPr lang="fr-FR" sz="1600" dirty="0" smtClean="0"/>
-              <a:t> v2 + </a:t>
+              <a:t> </a:t>
+            </a:r>
+            <a:r>
+              <a:rPr lang="fr-FR" sz="1600" dirty="0" smtClean="0"/>
+              <a:t>v2 + </a:t>
             </a:r>
             <a:r>
               <a:rPr lang="fr-FR" sz="1600" dirty="0" err="1" smtClean="0"/>
@@ -3787,16 +3897,122 @@
             </a:r>
             <a:r>
               <a:rPr lang="fr-FR" sz="1600" dirty="0" smtClean="0"/>
-              <a:t> + Carte SD + </a:t>
+              <a:t> + Carte SD + Anémomètre + </a:t>
             </a:r>
             <a:r>
               <a:rPr lang="fr-FR" sz="1600" dirty="0" smtClean="0"/>
-              <a:t>Anémomètre + Girouette </a:t>
+              <a:t>Girouette + LCD</a:t>
+            </a:r>
+            <a:br>
+              <a:rPr lang="fr-FR" sz="1600" dirty="0" smtClean="0"/>
+            </a:br>
+            <a:r>
+              <a:rPr lang="fr-FR" sz="1600" dirty="0"/>
+              <a:t/>
+            </a:r>
+            <a:br>
+              <a:rPr lang="fr-FR" sz="1600" dirty="0"/>
+            </a:br>
+            <a:r>
+              <a:rPr lang="fr-FR" sz="1600" dirty="0" smtClean="0"/>
+              <a:t/>
+            </a:r>
+            <a:br>
+              <a:rPr lang="fr-FR" sz="1600" dirty="0" smtClean="0"/>
+            </a:br>
+            <a:r>
+              <a:rPr lang="fr-FR" sz="1600" b="1" dirty="0" smtClean="0"/>
+              <a:t>Notes du 16/07/21 à propos de l’</a:t>
+            </a:r>
+            <a:r>
+              <a:rPr lang="fr-FR" sz="1600" b="1" dirty="0" err="1" smtClean="0"/>
+              <a:t>OpenLog</a:t>
+            </a:r>
+            <a:r>
+              <a:rPr lang="fr-FR" sz="1600" b="1" dirty="0" smtClean="0"/>
+              <a:t> :</a:t>
+            </a:r>
+            <a:r>
+              <a:rPr lang="fr-FR" sz="1600" dirty="0"/>
+              <a:t/>
+            </a:r>
+            <a:br>
+              <a:rPr lang="fr-FR" sz="1600" dirty="0"/>
+            </a:br>
+            <a:r>
+              <a:rPr lang="fr-FR" sz="1600" dirty="0" smtClean="0"/>
+              <a:t/>
+            </a:r>
+            <a:br>
+              <a:rPr lang="fr-FR" sz="1600" dirty="0" smtClean="0"/>
+            </a:br>
+            <a:r>
+              <a:rPr lang="fr-FR" sz="1600" dirty="0"/>
+              <a:t/>
+            </a:r>
+            <a:br>
+              <a:rPr lang="fr-FR" sz="1600" dirty="0"/>
+            </a:br>
+            <a:r>
+              <a:rPr lang="fr-FR" sz="1600" dirty="0" smtClean="0"/>
+              <a:t/>
+            </a:r>
+            <a:br>
+              <a:rPr lang="fr-FR" sz="1600" dirty="0" smtClean="0"/>
+            </a:br>
+            <a:r>
+              <a:rPr lang="fr-FR" sz="1600" dirty="0"/>
+              <a:t/>
+            </a:r>
+            <a:br>
+              <a:rPr lang="fr-FR" sz="1600" dirty="0"/>
+            </a:br>
+            <a:r>
+              <a:rPr lang="fr-FR" sz="1600" dirty="0" smtClean="0"/>
+              <a:t/>
+            </a:r>
+            <a:br>
+              <a:rPr lang="fr-FR" sz="1600" dirty="0" smtClean="0"/>
+            </a:br>
+            <a:r>
+              <a:rPr lang="fr-FR" sz="1600" dirty="0" smtClean="0"/>
+              <a:t/>
+            </a:r>
+            <a:br>
+              <a:rPr lang="fr-FR" sz="1600" dirty="0" smtClean="0"/>
+            </a:br>
+            <a:r>
+              <a:rPr lang="fr-FR" sz="1600" dirty="0" smtClean="0"/>
+              <a:t> </a:t>
             </a:r>
             <a:endParaRPr lang="fr-FR" sz="1600" dirty="0"/>
           </a:p>
         </p:txBody>
       </p:sp>
+      <p:pic>
+        <p:nvPicPr>
+          <p:cNvPr id="3" name="Image 2"/>
+          <p:cNvPicPr>
+            <a:picLocks noChangeAspect="1"/>
+          </p:cNvPicPr>
+          <p:nvPr/>
+        </p:nvPicPr>
+        <p:blipFill>
+          <a:blip r:embed="rId6"/>
+          <a:stretch>
+            <a:fillRect/>
+          </a:stretch>
+        </p:blipFill>
+        <p:spPr>
+          <a:xfrm>
+            <a:off x="376694" y="4290767"/>
+            <a:ext cx="11438611" cy="1882303"/>
+          </a:xfrm>
+          <a:prstGeom prst="rect">
+            <a:avLst/>
+          </a:prstGeom>
+        </p:spPr>
+      </p:pic>
     </p:spTree>
     <p:extLst>
       <p:ext uri="{BB962C8B-B14F-4D97-AF65-F5344CB8AC3E}">
